--- a/Pipeline.pptx
+++ b/Pipeline.pptx
@@ -264,7 +264,7 @@
           <a:p>
             <a:fld id="{6A27E15E-4059-474B-A12C-4F5E97830B44}" type="datetimeFigureOut">
               <a:rPr lang="hu-HU" smtClean="0"/>
-              <a:t>2025. 01. 12.</a:t>
+              <a:t>2025. 01. 18.</a:t>
             </a:fld>
             <a:endParaRPr lang="hu-HU"/>
           </a:p>
@@ -462,7 +462,7 @@
           <a:p>
             <a:fld id="{6A27E15E-4059-474B-A12C-4F5E97830B44}" type="datetimeFigureOut">
               <a:rPr lang="hu-HU" smtClean="0"/>
-              <a:t>2025. 01. 12.</a:t>
+              <a:t>2025. 01. 18.</a:t>
             </a:fld>
             <a:endParaRPr lang="hu-HU"/>
           </a:p>
@@ -670,7 +670,7 @@
           <a:p>
             <a:fld id="{6A27E15E-4059-474B-A12C-4F5E97830B44}" type="datetimeFigureOut">
               <a:rPr lang="hu-HU" smtClean="0"/>
-              <a:t>2025. 01. 12.</a:t>
+              <a:t>2025. 01. 18.</a:t>
             </a:fld>
             <a:endParaRPr lang="hu-HU"/>
           </a:p>
@@ -868,7 +868,7 @@
           <a:p>
             <a:fld id="{6A27E15E-4059-474B-A12C-4F5E97830B44}" type="datetimeFigureOut">
               <a:rPr lang="hu-HU" smtClean="0"/>
-              <a:t>2025. 01. 12.</a:t>
+              <a:t>2025. 01. 18.</a:t>
             </a:fld>
             <a:endParaRPr lang="hu-HU"/>
           </a:p>
@@ -1143,7 +1143,7 @@
           <a:p>
             <a:fld id="{6A27E15E-4059-474B-A12C-4F5E97830B44}" type="datetimeFigureOut">
               <a:rPr lang="hu-HU" smtClean="0"/>
-              <a:t>2025. 01. 12.</a:t>
+              <a:t>2025. 01. 18.</a:t>
             </a:fld>
             <a:endParaRPr lang="hu-HU"/>
           </a:p>
@@ -1408,7 +1408,7 @@
           <a:p>
             <a:fld id="{6A27E15E-4059-474B-A12C-4F5E97830B44}" type="datetimeFigureOut">
               <a:rPr lang="hu-HU" smtClean="0"/>
-              <a:t>2025. 01. 12.</a:t>
+              <a:t>2025. 01. 18.</a:t>
             </a:fld>
             <a:endParaRPr lang="hu-HU"/>
           </a:p>
@@ -1820,7 +1820,7 @@
           <a:p>
             <a:fld id="{6A27E15E-4059-474B-A12C-4F5E97830B44}" type="datetimeFigureOut">
               <a:rPr lang="hu-HU" smtClean="0"/>
-              <a:t>2025. 01. 12.</a:t>
+              <a:t>2025. 01. 18.</a:t>
             </a:fld>
             <a:endParaRPr lang="hu-HU"/>
           </a:p>
@@ -1961,7 +1961,7 @@
           <a:p>
             <a:fld id="{6A27E15E-4059-474B-A12C-4F5E97830B44}" type="datetimeFigureOut">
               <a:rPr lang="hu-HU" smtClean="0"/>
-              <a:t>2025. 01. 12.</a:t>
+              <a:t>2025. 01. 18.</a:t>
             </a:fld>
             <a:endParaRPr lang="hu-HU"/>
           </a:p>
@@ -2074,7 +2074,7 @@
           <a:p>
             <a:fld id="{6A27E15E-4059-474B-A12C-4F5E97830B44}" type="datetimeFigureOut">
               <a:rPr lang="hu-HU" smtClean="0"/>
-              <a:t>2025. 01. 12.</a:t>
+              <a:t>2025. 01. 18.</a:t>
             </a:fld>
             <a:endParaRPr lang="hu-HU"/>
           </a:p>
@@ -2385,7 +2385,7 @@
           <a:p>
             <a:fld id="{6A27E15E-4059-474B-A12C-4F5E97830B44}" type="datetimeFigureOut">
               <a:rPr lang="hu-HU" smtClean="0"/>
-              <a:t>2025. 01. 12.</a:t>
+              <a:t>2025. 01. 18.</a:t>
             </a:fld>
             <a:endParaRPr lang="hu-HU"/>
           </a:p>
@@ -2673,7 +2673,7 @@
           <a:p>
             <a:fld id="{6A27E15E-4059-474B-A12C-4F5E97830B44}" type="datetimeFigureOut">
               <a:rPr lang="hu-HU" smtClean="0"/>
-              <a:t>2025. 01. 12.</a:t>
+              <a:t>2025. 01. 18.</a:t>
             </a:fld>
             <a:endParaRPr lang="hu-HU"/>
           </a:p>
@@ -2914,7 +2914,7 @@
           <a:p>
             <a:fld id="{6A27E15E-4059-474B-A12C-4F5E97830B44}" type="datetimeFigureOut">
               <a:rPr lang="hu-HU" smtClean="0"/>
-              <a:t>2025. 01. 12.</a:t>
+              <a:t>2025. 01. 18.</a:t>
             </a:fld>
             <a:endParaRPr lang="hu-HU"/>
           </a:p>
@@ -3355,13 +3355,13 @@
           <a:lstStyle/>
           <a:p>
             <a:r>
-              <a:rPr lang="hu-HU" dirty="0">
+              <a:rPr lang="en-GB" noProof="0" dirty="0">
                 <a:hlinkClick r:id="rId2"/>
               </a:rPr>
               <a:t>https://www.youtube.com/watch?v=EYNwNlOrpr0&amp;list=PL3MmuxUbc_hJed7dXYoJw8DoCuVHhGEQb&amp;index=8</a:t>
             </a:r>
             <a:r>
-              <a:rPr lang="hu-HU" dirty="0"/>
+              <a:rPr lang="en-GB" noProof="0" dirty="0"/>
               <a:t> </a:t>
             </a:r>
           </a:p>
@@ -3389,12 +3389,8 @@
           <a:lstStyle/>
           <a:p>
             <a:r>
-              <a:rPr lang="hu-HU" dirty="0" err="1"/>
-              <a:t>Before</a:t>
-            </a:r>
-            <a:r>
-              <a:rPr lang="hu-HU" dirty="0"/>
-              <a:t> start:</a:t>
+              <a:rPr lang="en-GB" noProof="0" dirty="0"/>
+              <a:t>Before start:</a:t>
             </a:r>
           </a:p>
           <a:p>
@@ -3403,34 +3399,46 @@
               <a:buChar char="•"/>
             </a:pPr>
             <a:r>
-              <a:rPr lang="hu-HU" sz="1800" b="0" i="0" u="none" strike="noStrike" dirty="0">
+              <a:rPr lang="en-GB" sz="1800" b="0" i="0" u="none" strike="noStrike" noProof="0" dirty="0">
                 <a:solidFill>
                   <a:srgbClr val="000000"/>
                 </a:solidFill>
                 <a:effectLst/>
                 <a:latin typeface="Arial" panose="020B0604020202020204" pitchFamily="34" charset="0"/>
               </a:rPr>
-              <a:t>Google </a:t>
-            </a:r>
-            <a:r>
-              <a:rPr lang="hu-HU" sz="1800" b="0" i="0" u="none" strike="noStrike" dirty="0" err="1">
+              <a:t>Google cloud account                         </a:t>
+            </a:r>
+          </a:p>
+          <a:p>
+            <a:pPr rtl="0" fontAlgn="base">
+              <a:buFont typeface="Arial" panose="020B0604020202020204" pitchFamily="34" charset="0"/>
+              <a:buChar char="•"/>
+            </a:pPr>
+            <a:r>
+              <a:rPr lang="en-GB" sz="1800" b="0" i="0" u="none" strike="noStrike" noProof="0" dirty="0">
                 <a:solidFill>
                   <a:srgbClr val="000000"/>
                 </a:solidFill>
                 <a:effectLst/>
                 <a:latin typeface="Arial" panose="020B0604020202020204" pitchFamily="34" charset="0"/>
               </a:rPr>
-              <a:t>cloud</a:t>
-            </a:r>
-            <a:r>
-              <a:rPr lang="hu-HU" sz="1800" b="0" i="0" u="none" strike="noStrike" dirty="0">
+              <a:t>Google Cloud SDK</a:t>
+            </a:r>
+          </a:p>
+          <a:p>
+            <a:pPr rtl="0" fontAlgn="base">
+              <a:buFont typeface="Arial" panose="020B0604020202020204" pitchFamily="34" charset="0"/>
+              <a:buChar char="•"/>
+            </a:pPr>
+            <a:r>
+              <a:rPr lang="en-GB" sz="1800" b="0" i="0" u="none" strike="noStrike" noProof="0" dirty="0">
                 <a:solidFill>
                   <a:srgbClr val="000000"/>
                 </a:solidFill>
                 <a:effectLst/>
                 <a:latin typeface="Arial" panose="020B0604020202020204" pitchFamily="34" charset="0"/>
               </a:rPr>
-              <a:t> account                         </a:t>
+              <a:t>Python 3 (installed with Anaconda)</a:t>
             </a:r>
           </a:p>
           <a:p>
@@ -3439,119 +3447,7 @@
               <a:buChar char="•"/>
             </a:pPr>
             <a:r>
-              <a:rPr lang="hu-HU" sz="1800" b="0" i="0" u="none" strike="noStrike" dirty="0">
-                <a:solidFill>
-                  <a:srgbClr val="000000"/>
-                </a:solidFill>
-                <a:effectLst/>
-                <a:latin typeface="Arial" panose="020B0604020202020204" pitchFamily="34" charset="0"/>
-              </a:rPr>
-              <a:t>Google </a:t>
-            </a:r>
-            <a:r>
-              <a:rPr lang="hu-HU" sz="1800" b="0" i="0" u="none" strike="noStrike" dirty="0" err="1">
-                <a:solidFill>
-                  <a:srgbClr val="000000"/>
-                </a:solidFill>
-                <a:effectLst/>
-                <a:latin typeface="Arial" panose="020B0604020202020204" pitchFamily="34" charset="0"/>
-              </a:rPr>
-              <a:t>Cloud</a:t>
-            </a:r>
-            <a:r>
-              <a:rPr lang="hu-HU" sz="1800" b="0" i="0" u="none" strike="noStrike" dirty="0">
-                <a:solidFill>
-                  <a:srgbClr val="000000"/>
-                </a:solidFill>
-                <a:effectLst/>
-                <a:latin typeface="Arial" panose="020B0604020202020204" pitchFamily="34" charset="0"/>
-              </a:rPr>
-              <a:t> SDK</a:t>
-            </a:r>
-          </a:p>
-          <a:p>
-            <a:pPr rtl="0" fontAlgn="base">
-              <a:buFont typeface="Arial" panose="020B0604020202020204" pitchFamily="34" charset="0"/>
-              <a:buChar char="•"/>
-            </a:pPr>
-            <a:r>
-              <a:rPr lang="hu-HU" sz="1800" b="0" i="0" u="none" strike="noStrike" dirty="0">
-                <a:solidFill>
-                  <a:srgbClr val="000000"/>
-                </a:solidFill>
-                <a:effectLst/>
-                <a:latin typeface="Arial" panose="020B0604020202020204" pitchFamily="34" charset="0"/>
-              </a:rPr>
-              <a:t>Python 3 (</a:t>
-            </a:r>
-            <a:r>
-              <a:rPr lang="hu-HU" sz="1800" b="0" i="0" u="none" strike="noStrike" dirty="0" err="1">
-                <a:solidFill>
-                  <a:srgbClr val="000000"/>
-                </a:solidFill>
-                <a:effectLst/>
-                <a:latin typeface="Arial" panose="020B0604020202020204" pitchFamily="34" charset="0"/>
-              </a:rPr>
-              <a:t>installed</a:t>
-            </a:r>
-            <a:r>
-              <a:rPr lang="hu-HU" sz="1800" b="0" i="0" u="none" strike="noStrike" dirty="0">
-                <a:solidFill>
-                  <a:srgbClr val="000000"/>
-                </a:solidFill>
-                <a:effectLst/>
-                <a:latin typeface="Arial" panose="020B0604020202020204" pitchFamily="34" charset="0"/>
-              </a:rPr>
-              <a:t> </a:t>
-            </a:r>
-            <a:r>
-              <a:rPr lang="hu-HU" sz="1800" b="0" i="0" u="none" strike="noStrike" dirty="0" err="1">
-                <a:solidFill>
-                  <a:srgbClr val="000000"/>
-                </a:solidFill>
-                <a:effectLst/>
-                <a:latin typeface="Arial" panose="020B0604020202020204" pitchFamily="34" charset="0"/>
-              </a:rPr>
-              <a:t>with</a:t>
-            </a:r>
-            <a:r>
-              <a:rPr lang="hu-HU" sz="1800" b="0" i="0" u="none" strike="noStrike" dirty="0">
-                <a:solidFill>
-                  <a:srgbClr val="000000"/>
-                </a:solidFill>
-                <a:effectLst/>
-                <a:latin typeface="Arial" panose="020B0604020202020204" pitchFamily="34" charset="0"/>
-              </a:rPr>
-              <a:t> </a:t>
-            </a:r>
-            <a:r>
-              <a:rPr lang="hu-HU" sz="1800" b="0" i="0" u="none" strike="noStrike" dirty="0" err="1">
-                <a:solidFill>
-                  <a:srgbClr val="000000"/>
-                </a:solidFill>
-                <a:effectLst/>
-                <a:latin typeface="Arial" panose="020B0604020202020204" pitchFamily="34" charset="0"/>
-              </a:rPr>
-              <a:t>Anaconda</a:t>
-            </a:r>
-            <a:r>
-              <a:rPr lang="hu-HU" sz="1800" b="0" i="0" u="none" strike="noStrike" dirty="0">
-                <a:solidFill>
-                  <a:srgbClr val="000000"/>
-                </a:solidFill>
-                <a:effectLst/>
-                <a:latin typeface="Arial" panose="020B0604020202020204" pitchFamily="34" charset="0"/>
-              </a:rPr>
-              <a:t>)</a:t>
-            </a:r>
-          </a:p>
-          <a:p>
-            <a:pPr rtl="0" fontAlgn="base">
-              <a:buFont typeface="Arial" panose="020B0604020202020204" pitchFamily="34" charset="0"/>
-              <a:buChar char="•"/>
-            </a:pPr>
-            <a:r>
-              <a:rPr lang="hu-HU" sz="1800" b="0" i="0" u="none" strike="noStrike" dirty="0" err="1">
+              <a:rPr lang="en-GB" sz="1800" b="0" i="0" u="none" strike="noStrike" noProof="0" dirty="0">
                 <a:solidFill>
                   <a:srgbClr val="000000"/>
                 </a:solidFill>
@@ -3560,13 +3456,6 @@
               </a:rPr>
               <a:t>Terraform</a:t>
             </a:r>
-            <a:endParaRPr lang="hu-HU" sz="1800" b="0" i="0" u="none" strike="noStrike" dirty="0">
-              <a:solidFill>
-                <a:srgbClr val="000000"/>
-              </a:solidFill>
-              <a:effectLst/>
-              <a:latin typeface="Arial" panose="020B0604020202020204" pitchFamily="34" charset="0"/>
-            </a:endParaRPr>
           </a:p>
           <a:p>
             <a:pPr rtl="0" fontAlgn="base">
@@ -3574,7 +3463,7 @@
               <a:buChar char="•"/>
             </a:pPr>
             <a:r>
-              <a:rPr lang="hu-HU" sz="1800" b="0" i="0" u="none" strike="noStrike" dirty="0" err="1">
+              <a:rPr lang="en-GB" sz="1800" b="0" i="0" u="none" strike="noStrike" noProof="0" dirty="0">
                 <a:solidFill>
                   <a:srgbClr val="000000"/>
                 </a:solidFill>
@@ -3583,16 +3472,9 @@
               </a:rPr>
               <a:t>Git</a:t>
             </a:r>
-            <a:endParaRPr lang="hu-HU" sz="1800" b="0" i="0" u="none" strike="noStrike" dirty="0">
-              <a:solidFill>
-                <a:srgbClr val="000000"/>
-              </a:solidFill>
-              <a:effectLst/>
-              <a:latin typeface="Arial" panose="020B0604020202020204" pitchFamily="34" charset="0"/>
-            </a:endParaRPr>
-          </a:p>
-          <a:p>
-            <a:endParaRPr lang="hu-HU" dirty="0"/>
+          </a:p>
+          <a:p>
+            <a:endParaRPr lang="en-GB" noProof="0" dirty="0"/>
           </a:p>
         </p:txBody>
       </p:sp>
@@ -3669,19 +3551,14 @@
           <a:p>
             <a:pPr algn="ctr"/>
             <a:r>
-              <a:rPr lang="hu-HU" dirty="0"/>
-              <a:t>Data </a:t>
-            </a:r>
-            <a:r>
-              <a:rPr lang="hu-HU" dirty="0" err="1"/>
-              <a:t>Pipeline</a:t>
-            </a:r>
-            <a:endParaRPr lang="hu-HU" dirty="0"/>
+              <a:rPr lang="en-GB" noProof="0" dirty="0"/>
+              <a:t>Data Pipeline</a:t>
+            </a:r>
           </a:p>
           <a:p>
             <a:pPr algn="ctr"/>
             <a:r>
-              <a:rPr lang="hu-HU" dirty="0"/>
+              <a:rPr lang="en-GB" noProof="0" dirty="0"/>
               <a:t>Python script</a:t>
             </a:r>
           </a:p>
@@ -3730,23 +3607,15 @@
           <a:p>
             <a:pPr algn="ctr"/>
             <a:r>
-              <a:rPr lang="hu-HU" dirty="0"/>
+              <a:rPr lang="en-GB" noProof="0" dirty="0"/>
               <a:t>CSV</a:t>
             </a:r>
           </a:p>
           <a:p>
             <a:pPr algn="ctr"/>
             <a:r>
-              <a:rPr lang="hu-HU" dirty="0"/>
-              <a:t>(</a:t>
-            </a:r>
-            <a:r>
-              <a:rPr lang="hu-HU" dirty="0" err="1"/>
-              <a:t>source</a:t>
-            </a:r>
-            <a:r>
-              <a:rPr lang="hu-HU" dirty="0"/>
-              <a:t>)</a:t>
+              <a:rPr lang="en-GB" noProof="0" dirty="0"/>
+              <a:t>(source)</a:t>
             </a:r>
           </a:p>
         </p:txBody>
@@ -3794,31 +3663,22 @@
           <a:p>
             <a:pPr algn="ctr"/>
             <a:r>
-              <a:rPr lang="hu-HU" dirty="0" err="1"/>
-              <a:t>Table</a:t>
-            </a:r>
-            <a:r>
-              <a:rPr lang="hu-HU" dirty="0"/>
-              <a:t> in </a:t>
-            </a:r>
-            <a:r>
-              <a:rPr lang="hu-HU" dirty="0" err="1"/>
-              <a:t>Postgres</a:t>
-            </a:r>
-            <a:endParaRPr lang="hu-HU" dirty="0"/>
+              <a:rPr lang="en-GB" noProof="0" dirty="0"/>
+              <a:t>Table in Postgres</a:t>
+            </a:r>
           </a:p>
           <a:p>
             <a:pPr algn="ctr"/>
             <a:r>
-              <a:rPr lang="hu-HU" dirty="0"/>
+              <a:rPr lang="en-GB" noProof="0" dirty="0"/>
               <a:t>(</a:t>
             </a:r>
             <a:r>
-              <a:rPr lang="hu-HU" dirty="0" err="1"/>
+              <a:rPr lang="en-GB" noProof="0" dirty="0" err="1"/>
               <a:t>dest</a:t>
             </a:r>
             <a:r>
-              <a:rPr lang="hu-HU" dirty="0"/>
+              <a:rPr lang="en-GB" noProof="0" dirty="0"/>
               <a:t>)</a:t>
             </a:r>
           </a:p>
@@ -3866,7 +3726,7 @@
           <a:lstStyle/>
           <a:p>
             <a:pPr algn="ctr"/>
-            <a:endParaRPr lang="hu-HU"/>
+            <a:endParaRPr lang="en-GB" noProof="0" dirty="0"/>
           </a:p>
         </p:txBody>
       </p:sp>
@@ -3912,7 +3772,7 @@
           <a:lstStyle/>
           <a:p>
             <a:pPr algn="ctr"/>
-            <a:endParaRPr lang="hu-HU"/>
+            <a:endParaRPr lang="en-GB" noProof="0" dirty="0"/>
           </a:p>
         </p:txBody>
       </p:sp>
@@ -3959,19 +3819,14 @@
           <a:p>
             <a:pPr algn="ctr"/>
             <a:r>
-              <a:rPr lang="hu-HU" dirty="0"/>
-              <a:t>Data </a:t>
-            </a:r>
-            <a:r>
-              <a:rPr lang="hu-HU" dirty="0" err="1"/>
-              <a:t>Pipeline</a:t>
-            </a:r>
-            <a:endParaRPr lang="hu-HU" dirty="0"/>
+              <a:rPr lang="en-GB" noProof="0" dirty="0"/>
+              <a:t>Data Pipeline</a:t>
+            </a:r>
           </a:p>
           <a:p>
             <a:pPr algn="ctr"/>
             <a:r>
-              <a:rPr lang="hu-HU" dirty="0"/>
+              <a:rPr lang="en-GB" noProof="0" dirty="0"/>
               <a:t>Python script</a:t>
             </a:r>
           </a:p>
@@ -4020,23 +3875,15 @@
           <a:p>
             <a:pPr algn="ctr"/>
             <a:r>
-              <a:rPr lang="hu-HU" dirty="0"/>
+              <a:rPr lang="en-GB" noProof="0" dirty="0"/>
               <a:t>CSV</a:t>
             </a:r>
           </a:p>
           <a:p>
             <a:pPr algn="ctr"/>
             <a:r>
-              <a:rPr lang="hu-HU" dirty="0"/>
-              <a:t>(</a:t>
-            </a:r>
-            <a:r>
-              <a:rPr lang="hu-HU" dirty="0" err="1"/>
-              <a:t>source</a:t>
-            </a:r>
-            <a:r>
-              <a:rPr lang="hu-HU" dirty="0"/>
-              <a:t>)</a:t>
+              <a:rPr lang="en-GB" noProof="0" dirty="0"/>
+              <a:t>(source)</a:t>
             </a:r>
           </a:p>
         </p:txBody>
@@ -4084,31 +3931,22 @@
           <a:p>
             <a:pPr algn="ctr"/>
             <a:r>
-              <a:rPr lang="hu-HU" dirty="0" err="1"/>
-              <a:t>Table</a:t>
-            </a:r>
-            <a:r>
-              <a:rPr lang="hu-HU" dirty="0"/>
-              <a:t> in </a:t>
-            </a:r>
-            <a:r>
-              <a:rPr lang="hu-HU" dirty="0" err="1"/>
-              <a:t>Postgres</a:t>
-            </a:r>
-            <a:endParaRPr lang="hu-HU" dirty="0"/>
+              <a:rPr lang="en-GB" noProof="0" dirty="0"/>
+              <a:t>Table in Postgres</a:t>
+            </a:r>
           </a:p>
           <a:p>
             <a:pPr algn="ctr"/>
             <a:r>
-              <a:rPr lang="hu-HU" dirty="0"/>
+              <a:rPr lang="en-GB" noProof="0" dirty="0"/>
               <a:t>(</a:t>
             </a:r>
             <a:r>
-              <a:rPr lang="hu-HU" dirty="0" err="1"/>
+              <a:rPr lang="en-GB" noProof="0" dirty="0" err="1"/>
               <a:t>dest</a:t>
             </a:r>
             <a:r>
-              <a:rPr lang="hu-HU" dirty="0"/>
+              <a:rPr lang="en-GB" noProof="0" dirty="0"/>
               <a:t>)</a:t>
             </a:r>
           </a:p>
@@ -4156,7 +3994,7 @@
           <a:lstStyle/>
           <a:p>
             <a:pPr algn="ctr"/>
-            <a:endParaRPr lang="hu-HU"/>
+            <a:endParaRPr lang="en-GB" noProof="0" dirty="0"/>
           </a:p>
         </p:txBody>
       </p:sp>
@@ -4202,7 +4040,7 @@
           <a:lstStyle/>
           <a:p>
             <a:pPr algn="ctr"/>
-            <a:endParaRPr lang="hu-HU"/>
+            <a:endParaRPr lang="en-GB" noProof="0" dirty="0"/>
           </a:p>
         </p:txBody>
       </p:sp>
@@ -4249,19 +4087,14 @@
           <a:p>
             <a:pPr algn="ctr"/>
             <a:r>
-              <a:rPr lang="hu-HU" dirty="0"/>
-              <a:t>Data </a:t>
-            </a:r>
-            <a:r>
-              <a:rPr lang="hu-HU" dirty="0" err="1"/>
-              <a:t>Pipeline</a:t>
-            </a:r>
-            <a:endParaRPr lang="hu-HU" dirty="0"/>
+              <a:rPr lang="en-GB" noProof="0" dirty="0"/>
+              <a:t>Data Pipeline</a:t>
+            </a:r>
           </a:p>
           <a:p>
             <a:pPr algn="ctr"/>
             <a:r>
-              <a:rPr lang="hu-HU" dirty="0"/>
+              <a:rPr lang="en-GB" noProof="0" dirty="0"/>
               <a:t>Python script</a:t>
             </a:r>
           </a:p>
@@ -4310,31 +4143,22 @@
           <a:p>
             <a:pPr algn="ctr"/>
             <a:r>
-              <a:rPr lang="hu-HU" dirty="0" err="1"/>
-              <a:t>Table</a:t>
-            </a:r>
-            <a:r>
-              <a:rPr lang="hu-HU" dirty="0"/>
-              <a:t> in </a:t>
-            </a:r>
-            <a:r>
-              <a:rPr lang="hu-HU" dirty="0" err="1"/>
-              <a:t>Postgres</a:t>
-            </a:r>
-            <a:endParaRPr lang="hu-HU" dirty="0"/>
+              <a:rPr lang="en-GB" noProof="0" dirty="0"/>
+              <a:t>Table in Postgres</a:t>
+            </a:r>
           </a:p>
           <a:p>
             <a:pPr algn="ctr"/>
             <a:r>
-              <a:rPr lang="hu-HU" dirty="0"/>
+              <a:rPr lang="en-GB" noProof="0" dirty="0"/>
               <a:t>(</a:t>
             </a:r>
             <a:r>
-              <a:rPr lang="hu-HU" dirty="0" err="1"/>
+              <a:rPr lang="en-GB" noProof="0" dirty="0" err="1"/>
               <a:t>dest</a:t>
             </a:r>
             <a:r>
-              <a:rPr lang="hu-HU" dirty="0"/>
+              <a:rPr lang="en-GB" noProof="0" dirty="0"/>
               <a:t>)</a:t>
             </a:r>
           </a:p>
@@ -4382,7 +4206,7 @@
           <a:lstStyle/>
           <a:p>
             <a:pPr algn="ctr"/>
-            <a:endParaRPr lang="hu-HU"/>
+            <a:endParaRPr lang="en-GB" noProof="0" dirty="0"/>
           </a:p>
         </p:txBody>
       </p:sp>
@@ -4428,7 +4252,7 @@
           <a:lstStyle/>
           <a:p>
             <a:pPr algn="ctr"/>
-            <a:endParaRPr lang="hu-HU"/>
+            <a:endParaRPr lang="en-GB" noProof="0" dirty="0"/>
           </a:p>
         </p:txBody>
       </p:sp>
@@ -4489,28 +4313,8 @@
           <a:lstStyle/>
           <a:p>
             <a:r>
-              <a:rPr lang="hu-HU" dirty="0" err="1"/>
-              <a:t>Containers</a:t>
-            </a:r>
-            <a:r>
-              <a:rPr lang="hu-HU" dirty="0"/>
-              <a:t> </a:t>
-            </a:r>
-            <a:r>
-              <a:rPr lang="hu-HU" dirty="0" err="1"/>
-              <a:t>on</a:t>
-            </a:r>
-            <a:r>
-              <a:rPr lang="hu-HU" dirty="0"/>
-              <a:t> </a:t>
-            </a:r>
-            <a:r>
-              <a:rPr lang="hu-HU" dirty="0" err="1"/>
-              <a:t>Host</a:t>
-            </a:r>
-            <a:r>
-              <a:rPr lang="hu-HU" dirty="0"/>
-              <a:t> computer (Windows)</a:t>
+              <a:rPr lang="en-GB" noProof="0" dirty="0"/>
+              <a:t>Containers on Host computer (Windows)</a:t>
             </a:r>
           </a:p>
         </p:txBody>
@@ -4556,83 +4360,52 @@
           <a:bodyPr rtlCol="0" anchor="ctr"/>
           <a:lstStyle/>
           <a:p>
-            <a:pPr algn="ctr"/>
-            <a:r>
-              <a:rPr lang="hu-HU" dirty="0"/>
+            <a:r>
+              <a:rPr lang="en-GB" noProof="0" dirty="0"/>
               <a:t>Ubuntu 20.04</a:t>
             </a:r>
           </a:p>
           <a:p>
-            <a:pPr algn="ctr"/>
-            <a:endParaRPr lang="hu-HU" dirty="0"/>
-          </a:p>
-          <a:p>
-            <a:pPr algn="ctr"/>
-            <a:r>
-              <a:rPr lang="hu-HU" dirty="0"/>
-              <a:t>Data </a:t>
-            </a:r>
-            <a:r>
-              <a:rPr lang="hu-HU" dirty="0" err="1"/>
-              <a:t>pipeline</a:t>
-            </a:r>
-            <a:endParaRPr lang="hu-HU" dirty="0"/>
-          </a:p>
-          <a:p>
-            <a:pPr marL="285750" indent="-285750" algn="ctr">
+            <a:endParaRPr lang="en-GB" noProof="0" dirty="0"/>
+          </a:p>
+          <a:p>
+            <a:r>
+              <a:rPr lang="en-GB" b="1" noProof="0" dirty="0"/>
+              <a:t>Data pipeline</a:t>
+            </a:r>
+          </a:p>
+          <a:p>
+            <a:endParaRPr lang="en-GB" noProof="0" dirty="0"/>
+          </a:p>
+          <a:p>
+            <a:pPr marL="285750" indent="-285750">
               <a:buFontTx/>
               <a:buChar char="-"/>
             </a:pPr>
             <a:r>
-              <a:rPr lang="hu-HU" dirty="0"/>
+              <a:rPr lang="en-GB" noProof="0" dirty="0"/>
               <a:t>Python 3.9</a:t>
             </a:r>
           </a:p>
           <a:p>
-            <a:pPr marL="285750" indent="-285750" algn="ctr">
+            <a:pPr marL="285750" indent="-285750">
               <a:buFontTx/>
               <a:buChar char="-"/>
             </a:pPr>
             <a:r>
-              <a:rPr lang="hu-HU" dirty="0" err="1"/>
-              <a:t>Polars</a:t>
-            </a:r>
-            <a:r>
-              <a:rPr lang="hu-HU" dirty="0"/>
-              <a:t>/</a:t>
-            </a:r>
-            <a:r>
-              <a:rPr lang="hu-HU" dirty="0" err="1"/>
-              <a:t>Pandas</a:t>
-            </a:r>
-            <a:endParaRPr lang="hu-HU" dirty="0"/>
-          </a:p>
-          <a:p>
-            <a:pPr marL="285750" indent="-285750" algn="ctr">
+              <a:rPr lang="en-GB" noProof="0" dirty="0"/>
+              <a:t>Polars/Pandas</a:t>
+            </a:r>
+          </a:p>
+          <a:p>
+            <a:pPr marL="285750" indent="-285750">
               <a:buFontTx/>
               <a:buChar char="-"/>
             </a:pPr>
             <a:r>
-              <a:rPr lang="hu-HU" dirty="0" err="1"/>
-              <a:t>Postgres</a:t>
-            </a:r>
-            <a:r>
-              <a:rPr lang="hu-HU" dirty="0"/>
-              <a:t> </a:t>
-            </a:r>
-            <a:r>
-              <a:rPr lang="hu-HU" dirty="0" err="1"/>
-              <a:t>connection</a:t>
-            </a:r>
-            <a:r>
-              <a:rPr lang="hu-HU" dirty="0"/>
-              <a:t> </a:t>
-            </a:r>
-            <a:r>
-              <a:rPr lang="hu-HU" dirty="0" err="1"/>
-              <a:t>library</a:t>
-            </a:r>
-            <a:endParaRPr lang="hu-HU" dirty="0"/>
+              <a:rPr lang="en-GB" noProof="0" dirty="0"/>
+              <a:t>Postgres connection library</a:t>
+            </a:r>
           </a:p>
         </p:txBody>
       </p:sp>
@@ -4698,14 +4471,13 @@
             <a:lstStyle/>
             <a:p>
               <a:r>
-                <a:rPr lang="hu-HU" dirty="0" err="1"/>
+                <a:rPr lang="en-GB" noProof="0" dirty="0"/>
                 <a:t>Postgres</a:t>
               </a:r>
-              <a:endParaRPr lang="hu-HU" dirty="0"/>
             </a:p>
             <a:p>
               <a:pPr algn="ctr"/>
-              <a:endParaRPr lang="hu-HU" dirty="0"/>
+              <a:endParaRPr lang="en-GB" noProof="0" dirty="0"/>
             </a:p>
           </p:txBody>
         </p:sp>
@@ -4752,10 +4524,9 @@
             <a:p>
               <a:pPr algn="ctr"/>
               <a:r>
-                <a:rPr lang="hu-HU" dirty="0" err="1"/>
+                <a:rPr lang="en-GB" noProof="0" dirty="0"/>
                 <a:t>Postgres</a:t>
               </a:r>
-              <a:endParaRPr lang="hu-HU" dirty="0"/>
             </a:p>
           </p:txBody>
         </p:sp>
@@ -4802,14 +4573,14 @@
           <a:lstStyle/>
           <a:p>
             <a:r>
-              <a:rPr lang="hu-HU" dirty="0" err="1"/>
+              <a:rPr lang="en-GB" noProof="0" dirty="0" err="1"/>
               <a:t>pgAdmin</a:t>
             </a:r>
-            <a:endParaRPr lang="hu-HU" dirty="0"/>
+            <a:endParaRPr lang="en-GB" noProof="0" dirty="0"/>
           </a:p>
           <a:p>
             <a:pPr algn="ctr"/>
-            <a:endParaRPr lang="hu-HU" dirty="0"/>
+            <a:endParaRPr lang="en-GB" noProof="0" dirty="0"/>
           </a:p>
         </p:txBody>
       </p:sp>
@@ -4856,10 +4627,9 @@
           <a:p>
             <a:pPr algn="ctr"/>
             <a:r>
-              <a:rPr lang="hu-HU" dirty="0" err="1"/>
+              <a:rPr lang="en-GB" noProof="0" dirty="0"/>
               <a:t>Postgres</a:t>
             </a:r>
-            <a:endParaRPr lang="hu-HU" dirty="0"/>
           </a:p>
         </p:txBody>
       </p:sp>
@@ -4926,23 +4696,15 @@
           <a:lstStyle/>
           <a:p>
             <a:r>
-              <a:rPr lang="hu-HU" dirty="0"/>
-              <a:t>Google </a:t>
-            </a:r>
-            <a:r>
-              <a:rPr lang="hu-HU" dirty="0" err="1"/>
-              <a:t>cloud</a:t>
-            </a:r>
-            <a:r>
-              <a:rPr lang="hu-HU" dirty="0"/>
-              <a:t> (</a:t>
-            </a:r>
-            <a:r>
-              <a:rPr lang="hu-HU" dirty="0" err="1"/>
+              <a:rPr lang="en-GB" noProof="0" dirty="0"/>
+              <a:t>Google cloud (</a:t>
+            </a:r>
+            <a:r>
+              <a:rPr lang="en-GB" noProof="0" dirty="0" err="1"/>
               <a:t>kubernetes</a:t>
             </a:r>
             <a:r>
-              <a:rPr lang="hu-HU" dirty="0"/>
+              <a:rPr lang="en-GB" noProof="0" dirty="0"/>
               <a:t>)</a:t>
             </a:r>
           </a:p>
@@ -4991,25 +4753,20 @@
           <a:p>
             <a:pPr algn="ctr"/>
             <a:r>
-              <a:rPr lang="hu-HU" dirty="0"/>
+              <a:rPr lang="en-GB" noProof="0" dirty="0"/>
               <a:t>Ubuntu 20.04</a:t>
             </a:r>
           </a:p>
           <a:p>
             <a:pPr algn="ctr"/>
-            <a:endParaRPr lang="hu-HU" dirty="0"/>
+            <a:endParaRPr lang="en-GB" noProof="0" dirty="0"/>
           </a:p>
           <a:p>
             <a:pPr algn="ctr"/>
             <a:r>
-              <a:rPr lang="hu-HU" dirty="0"/>
-              <a:t>Data </a:t>
-            </a:r>
-            <a:r>
-              <a:rPr lang="hu-HU" dirty="0" err="1"/>
-              <a:t>pipeline</a:t>
-            </a:r>
-            <a:endParaRPr lang="hu-HU" dirty="0"/>
+              <a:rPr lang="en-GB" noProof="0" dirty="0"/>
+              <a:t>Data pipeline</a:t>
+            </a:r>
           </a:p>
           <a:p>
             <a:pPr marL="285750" indent="-285750" algn="ctr">
@@ -5017,7 +4774,7 @@
               <a:buChar char="-"/>
             </a:pPr>
             <a:r>
-              <a:rPr lang="hu-HU" dirty="0"/>
+              <a:rPr lang="en-GB" noProof="0" dirty="0"/>
               <a:t>Python 3.13</a:t>
             </a:r>
           </a:p>
@@ -5027,18 +4784,9 @@
               <a:buChar char="-"/>
             </a:pPr>
             <a:r>
-              <a:rPr lang="hu-HU" dirty="0" err="1"/>
-              <a:t>Polars</a:t>
-            </a:r>
-            <a:r>
-              <a:rPr lang="hu-HU" dirty="0"/>
-              <a:t>/</a:t>
-            </a:r>
-            <a:r>
-              <a:rPr lang="hu-HU" dirty="0" err="1"/>
-              <a:t>Pandas</a:t>
-            </a:r>
-            <a:endParaRPr lang="hu-HU" dirty="0"/>
+              <a:rPr lang="en-GB" noProof="0" dirty="0"/>
+              <a:t>Polars/Pandas</a:t>
+            </a:r>
           </a:p>
           <a:p>
             <a:pPr marL="285750" indent="-285750" algn="ctr">
@@ -5046,26 +4794,9 @@
               <a:buChar char="-"/>
             </a:pPr>
             <a:r>
-              <a:rPr lang="hu-HU" dirty="0" err="1"/>
-              <a:t>Postgres</a:t>
-            </a:r>
-            <a:r>
-              <a:rPr lang="hu-HU" dirty="0"/>
-              <a:t> </a:t>
-            </a:r>
-            <a:r>
-              <a:rPr lang="hu-HU" dirty="0" err="1"/>
-              <a:t>connection</a:t>
-            </a:r>
-            <a:r>
-              <a:rPr lang="hu-HU" dirty="0"/>
-              <a:t> </a:t>
-            </a:r>
-            <a:r>
-              <a:rPr lang="hu-HU" dirty="0" err="1"/>
-              <a:t>library</a:t>
-            </a:r>
-            <a:endParaRPr lang="hu-HU" dirty="0"/>
+              <a:rPr lang="en-GB" noProof="0" dirty="0"/>
+              <a:t>Postgres connection library</a:t>
+            </a:r>
           </a:p>
         </p:txBody>
       </p:sp>
@@ -5121,185 +4852,111 @@
           <a:lstStyle/>
           <a:p>
             <a:r>
-              <a:rPr lang="hu-HU" dirty="0" err="1"/>
-              <a:t>Why</a:t>
-            </a:r>
-            <a:r>
-              <a:rPr lang="hu-HU" dirty="0"/>
+              <a:rPr lang="en-GB" noProof="0" dirty="0"/>
+              <a:t>Why should we care about docker?</a:t>
+            </a:r>
+          </a:p>
+        </p:txBody>
+      </p:sp>
+      <p:sp>
+        <p:nvSpPr>
+          <p:cNvPr id="3" name="Tartalom helye 2">
+            <a:extLst>
+              <a:ext uri="{FF2B5EF4-FFF2-40B4-BE49-F238E27FC236}">
+                <a16:creationId xmlns:a16="http://schemas.microsoft.com/office/drawing/2014/main" id="{610FEAAE-2B45-4C73-19B7-945DCB9B4BFE}"/>
+              </a:ext>
+            </a:extLst>
+          </p:cNvPr>
+          <p:cNvSpPr>
+            <a:spLocks noGrp="1"/>
+          </p:cNvSpPr>
+          <p:nvPr>
+            <p:ph idx="1"/>
+          </p:nvPr>
+        </p:nvSpPr>
+        <p:spPr/>
+        <p:txBody>
+          <a:bodyPr/>
+          <a:lstStyle/>
+          <a:p>
+            <a:r>
+              <a:rPr lang="en-GB" noProof="0" dirty="0"/>
+              <a:t>Reproducibility</a:t>
+            </a:r>
+          </a:p>
+          <a:p>
+            <a:r>
+              <a:rPr lang="en-GB" noProof="0" dirty="0"/>
+              <a:t>Local experiments</a:t>
+            </a:r>
+          </a:p>
+          <a:p>
+            <a:r>
+              <a:rPr lang="hu-HU" noProof="0" dirty="0" err="1"/>
+              <a:t>Integration</a:t>
+            </a:r>
+            <a:r>
+              <a:rPr lang="hu-HU" noProof="0" dirty="0"/>
               <a:t> </a:t>
             </a:r>
             <a:r>
-              <a:rPr lang="hu-HU" dirty="0" err="1"/>
-              <a:t>should</a:t>
-            </a:r>
-            <a:r>
-              <a:rPr lang="hu-HU" dirty="0"/>
+              <a:rPr lang="hu-HU" noProof="0" dirty="0" err="1"/>
+              <a:t>tests</a:t>
+            </a:r>
+            <a:r>
+              <a:rPr lang="hu-HU" noProof="0" dirty="0"/>
+              <a:t> (</a:t>
+            </a:r>
+            <a:r>
+              <a:rPr lang="en-GB" noProof="0" dirty="0"/>
+              <a:t>CI/CD</a:t>
+            </a:r>
+            <a:r>
+              <a:rPr lang="hu-HU" noProof="0" dirty="0"/>
+              <a:t>)</a:t>
+            </a:r>
+            <a:endParaRPr lang="en-GB" noProof="0" dirty="0"/>
+          </a:p>
+          <a:p>
+            <a:r>
+              <a:rPr lang="en-GB" noProof="0" dirty="0"/>
+              <a:t>Running pipelines on the cloud (AWS Batch, Kubernetes jobs)</a:t>
+            </a:r>
+          </a:p>
+          <a:p>
+            <a:r>
+              <a:rPr lang="en-GB" noProof="0" dirty="0"/>
+              <a:t>Spark</a:t>
+            </a:r>
+          </a:p>
+          <a:p>
+            <a:r>
+              <a:rPr lang="en-GB" noProof="0" dirty="0"/>
+              <a:t>Serverless (AWS Lambda, Google functions</a:t>
+            </a:r>
+            <a:r>
+              <a:rPr lang="hu-HU" noProof="0" dirty="0"/>
+              <a:t> (</a:t>
+            </a:r>
+            <a:r>
+              <a:rPr lang="hu-HU" noProof="0" dirty="0" err="1"/>
+              <a:t>Cloud</a:t>
+            </a:r>
+            <a:r>
+              <a:rPr lang="hu-HU" noProof="0" dirty="0"/>
               <a:t> </a:t>
             </a:r>
             <a:r>
-              <a:rPr lang="hu-HU" dirty="0" err="1"/>
-              <a:t>we</a:t>
-            </a:r>
-            <a:r>
-              <a:rPr lang="hu-HU" dirty="0"/>
-              <a:t> </a:t>
-            </a:r>
-            <a:r>
-              <a:rPr lang="hu-HU" dirty="0" err="1"/>
-              <a:t>care</a:t>
-            </a:r>
-            <a:r>
-              <a:rPr lang="hu-HU" dirty="0"/>
-              <a:t> </a:t>
-            </a:r>
-            <a:r>
-              <a:rPr lang="hu-HU" dirty="0" err="1"/>
-              <a:t>about</a:t>
-            </a:r>
-            <a:r>
-              <a:rPr lang="hu-HU" dirty="0"/>
-              <a:t> </a:t>
-            </a:r>
-            <a:r>
-              <a:rPr lang="hu-HU" dirty="0" err="1"/>
-              <a:t>docker</a:t>
-            </a:r>
-            <a:r>
-              <a:rPr lang="hu-HU" dirty="0"/>
-              <a:t>?</a:t>
-            </a:r>
-          </a:p>
-        </p:txBody>
-      </p:sp>
-      <p:sp>
-        <p:nvSpPr>
-          <p:cNvPr id="3" name="Tartalom helye 2">
-            <a:extLst>
-              <a:ext uri="{FF2B5EF4-FFF2-40B4-BE49-F238E27FC236}">
-                <a16:creationId xmlns:a16="http://schemas.microsoft.com/office/drawing/2014/main" id="{610FEAAE-2B45-4C73-19B7-945DCB9B4BFE}"/>
-              </a:ext>
-            </a:extLst>
-          </p:cNvPr>
-          <p:cNvSpPr>
-            <a:spLocks noGrp="1"/>
-          </p:cNvSpPr>
-          <p:nvPr>
-            <p:ph idx="1"/>
-          </p:nvPr>
-        </p:nvSpPr>
-        <p:spPr/>
-        <p:txBody>
-          <a:bodyPr/>
-          <a:lstStyle/>
-          <a:p>
-            <a:r>
-              <a:rPr lang="hu-HU" dirty="0" err="1"/>
-              <a:t>Reproducibility</a:t>
-            </a:r>
-            <a:endParaRPr lang="hu-HU" dirty="0"/>
-          </a:p>
-          <a:p>
-            <a:r>
-              <a:rPr lang="hu-HU" dirty="0"/>
-              <a:t>Local </a:t>
-            </a:r>
-            <a:r>
-              <a:rPr lang="hu-HU" dirty="0" err="1"/>
-              <a:t>experiments</a:t>
-            </a:r>
-            <a:endParaRPr lang="hu-HU" dirty="0"/>
-          </a:p>
-          <a:p>
-            <a:r>
-              <a:rPr lang="hu-HU" dirty="0"/>
-              <a:t>CI/CD</a:t>
-            </a:r>
-          </a:p>
-          <a:p>
-            <a:r>
-              <a:rPr lang="hu-HU" dirty="0" err="1"/>
-              <a:t>Running</a:t>
-            </a:r>
-            <a:r>
-              <a:rPr lang="hu-HU" dirty="0"/>
-              <a:t> </a:t>
-            </a:r>
-            <a:r>
-              <a:rPr lang="hu-HU" dirty="0" err="1"/>
-              <a:t>pipelines</a:t>
-            </a:r>
-            <a:r>
-              <a:rPr lang="hu-HU" dirty="0"/>
-              <a:t> </a:t>
-            </a:r>
-            <a:r>
-              <a:rPr lang="hu-HU" dirty="0" err="1"/>
-              <a:t>on</a:t>
-            </a:r>
-            <a:r>
-              <a:rPr lang="hu-HU" dirty="0"/>
-              <a:t> </a:t>
-            </a:r>
-            <a:r>
-              <a:rPr lang="hu-HU" dirty="0" err="1"/>
-              <a:t>the</a:t>
-            </a:r>
-            <a:r>
-              <a:rPr lang="hu-HU" dirty="0"/>
-              <a:t> </a:t>
-            </a:r>
-            <a:r>
-              <a:rPr lang="hu-HU" dirty="0" err="1"/>
-              <a:t>cloud</a:t>
-            </a:r>
-            <a:r>
-              <a:rPr lang="hu-HU" dirty="0"/>
-              <a:t> (AWS Batch, </a:t>
-            </a:r>
-            <a:r>
-              <a:rPr lang="hu-HU" dirty="0" err="1"/>
-              <a:t>Kubernetes</a:t>
-            </a:r>
-            <a:r>
-              <a:rPr lang="hu-HU" dirty="0"/>
-              <a:t> </a:t>
-            </a:r>
-            <a:r>
-              <a:rPr lang="hu-HU" dirty="0" err="1"/>
-              <a:t>jobs</a:t>
-            </a:r>
-            <a:r>
-              <a:rPr lang="hu-HU" dirty="0"/>
-              <a:t>)</a:t>
-            </a:r>
-          </a:p>
-          <a:p>
-            <a:r>
-              <a:rPr lang="hu-HU" dirty="0" err="1"/>
-              <a:t>Spark</a:t>
-            </a:r>
-            <a:endParaRPr lang="hu-HU" dirty="0"/>
-          </a:p>
-          <a:p>
-            <a:r>
-              <a:rPr lang="hu-HU" dirty="0" err="1"/>
-              <a:t>Serverless</a:t>
-            </a:r>
-            <a:r>
-              <a:rPr lang="hu-HU" dirty="0"/>
-              <a:t> (AWS Lambda, Google </a:t>
-            </a:r>
-            <a:r>
-              <a:rPr lang="hu-HU" dirty="0" err="1"/>
-              <a:t>functions</a:t>
-            </a:r>
-            <a:r>
-              <a:rPr lang="hu-HU" dirty="0"/>
+              <a:rPr lang="hu-HU" noProof="0" dirty="0" err="1"/>
+              <a:t>Run</a:t>
+            </a:r>
+            <a:r>
+              <a:rPr lang="en-GB" noProof="0" dirty="0"/>
               <a:t>?)</a:t>
             </a:r>
           </a:p>
           <a:p>
-            <a:endParaRPr lang="hu-HU" dirty="0"/>
+            <a:endParaRPr lang="en-GB" noProof="0" dirty="0"/>
           </a:p>
         </p:txBody>
       </p:sp>
@@ -5355,58 +5012,14 @@
           <a:lstStyle/>
           <a:p>
             <a:r>
-              <a:rPr lang="hu-HU" dirty="0" err="1"/>
-              <a:t>Git</a:t>
-            </a:r>
-            <a:r>
-              <a:rPr lang="hu-HU" dirty="0"/>
-              <a:t> </a:t>
-            </a:r>
-            <a:r>
-              <a:rPr lang="hu-HU" dirty="0" err="1"/>
-              <a:t>bash</a:t>
-            </a:r>
-            <a:r>
-              <a:rPr lang="hu-HU" dirty="0"/>
-              <a:t> cli </a:t>
-            </a:r>
-            <a:r>
-              <a:rPr lang="hu-HU" dirty="0" err="1"/>
-              <a:t>commands</a:t>
-            </a:r>
-            <a:r>
-              <a:rPr lang="hu-HU" dirty="0"/>
-              <a:t> </a:t>
-            </a:r>
-            <a:r>
-              <a:rPr lang="hu-HU" dirty="0" err="1"/>
-              <a:t>to</a:t>
-            </a:r>
-            <a:r>
-              <a:rPr lang="hu-HU" dirty="0"/>
-              <a:t> </a:t>
-            </a:r>
-            <a:r>
-              <a:rPr lang="hu-HU" dirty="0" err="1"/>
-              <a:t>interact</a:t>
-            </a:r>
-            <a:r>
-              <a:rPr lang="hu-HU" dirty="0"/>
-              <a:t> </a:t>
-            </a:r>
-            <a:r>
-              <a:rPr lang="hu-HU" dirty="0" err="1"/>
-              <a:t>with</a:t>
-            </a:r>
-            <a:r>
-              <a:rPr lang="hu-HU" dirty="0"/>
-              <a:t> </a:t>
-            </a:r>
-            <a:r>
-              <a:rPr lang="hu-HU" dirty="0" err="1"/>
+              <a:rPr lang="en-GB" noProof="0" dirty="0"/>
+              <a:t>Git bash cli commands to interact with </a:t>
+            </a:r>
+            <a:r>
+              <a:rPr lang="en-GB" noProof="0" dirty="0" err="1"/>
               <a:t>dockerfile</a:t>
             </a:r>
-            <a:endParaRPr lang="hu-HU" dirty="0"/>
+            <a:endParaRPr lang="en-GB" noProof="0" dirty="0"/>
           </a:p>
         </p:txBody>
       </p:sp>
@@ -5432,17 +5045,13 @@
           <a:lstStyle/>
           <a:p>
             <a:r>
-              <a:rPr lang="hu-HU" dirty="0" err="1"/>
-              <a:t>code</a:t>
-            </a:r>
-            <a:r>
-              <a:rPr lang="hu-HU" dirty="0"/>
-              <a:t> . #open IDE</a:t>
-            </a:r>
-          </a:p>
-          <a:p>
-            <a:r>
-              <a:rPr lang="hu-HU" sz="1800" dirty="0">
+              <a:rPr lang="en-GB" noProof="0" dirty="0"/>
+              <a:t>code . #open IDE</a:t>
+            </a:r>
+          </a:p>
+          <a:p>
+            <a:r>
+              <a:rPr lang="en-GB" sz="1800" noProof="0" dirty="0">
                 <a:solidFill>
                   <a:prstClr val="black"/>
                 </a:solidFill>
@@ -5451,7 +5060,7 @@
               <a:t>cd </a:t>
             </a:r>
             <a:r>
-              <a:rPr lang="hu-HU" sz="1800" dirty="0" err="1">
+              <a:rPr lang="en-GB" sz="1800" noProof="0" dirty="0" err="1">
                 <a:solidFill>
                   <a:prstClr val="black"/>
                 </a:solidFill>
@@ -5460,241 +5069,61 @@
               <a:t>Data_Engineering_Zoomcamp</a:t>
             </a:r>
             <a:r>
-              <a:rPr lang="hu-HU" sz="1800" dirty="0">
+              <a:rPr lang="en-GB" sz="1800" noProof="0" dirty="0">
                 <a:solidFill>
                   <a:prstClr val="black"/>
                 </a:solidFill>
                 <a:latin typeface="Lucida Console" panose="020B0609040504020204" pitchFamily="49" charset="0"/>
               </a:rPr>
-              <a:t> #change </a:t>
-            </a:r>
-            <a:r>
-              <a:rPr lang="hu-HU" sz="1800" dirty="0" err="1">
+              <a:t> #change directory</a:t>
+            </a:r>
+          </a:p>
+          <a:p>
+            <a:r>
+              <a:rPr lang="en-GB" sz="1800" noProof="0" dirty="0">
                 <a:solidFill>
                   <a:prstClr val="black"/>
                 </a:solidFill>
                 <a:latin typeface="Lucida Console" panose="020B0609040504020204" pitchFamily="49" charset="0"/>
               </a:rPr>
-              <a:t>directory</a:t>
-            </a:r>
-            <a:endParaRPr lang="hu-HU" sz="1800" dirty="0">
-              <a:solidFill>
-                <a:prstClr val="black"/>
-              </a:solidFill>
-              <a:latin typeface="Lucida Console" panose="020B0609040504020204" pitchFamily="49" charset="0"/>
-            </a:endParaRPr>
-          </a:p>
-          <a:p>
-            <a:r>
-              <a:rPr lang="hu-HU" sz="1800" dirty="0" err="1">
+              <a:t>docker run hello-world #check if docker is installed correctly</a:t>
+            </a:r>
+          </a:p>
+          <a:p>
+            <a:r>
+              <a:rPr lang="en-GB" sz="1800" noProof="0" dirty="0">
                 <a:solidFill>
                   <a:prstClr val="black"/>
                 </a:solidFill>
                 <a:latin typeface="Lucida Console" panose="020B0609040504020204" pitchFamily="49" charset="0"/>
               </a:rPr>
-              <a:t>docker</a:t>
-            </a:r>
-            <a:r>
-              <a:rPr lang="hu-HU" sz="1800" dirty="0">
-                <a:solidFill>
-                  <a:prstClr val="black"/>
-                </a:solidFill>
-                <a:latin typeface="Lucida Console" panose="020B0609040504020204" pitchFamily="49" charset="0"/>
-              </a:rPr>
-              <a:t> </a:t>
-            </a:r>
-            <a:r>
-              <a:rPr lang="hu-HU" sz="1800" dirty="0" err="1">
-                <a:solidFill>
-                  <a:prstClr val="black"/>
-                </a:solidFill>
-                <a:latin typeface="Lucida Console" panose="020B0609040504020204" pitchFamily="49" charset="0"/>
-              </a:rPr>
-              <a:t>run</a:t>
-            </a:r>
-            <a:r>
-              <a:rPr lang="hu-HU" sz="1800" dirty="0">
-                <a:solidFill>
-                  <a:prstClr val="black"/>
-                </a:solidFill>
-                <a:latin typeface="Lucida Console" panose="020B0609040504020204" pitchFamily="49" charset="0"/>
-              </a:rPr>
-              <a:t> hello-</a:t>
-            </a:r>
-            <a:r>
-              <a:rPr lang="hu-HU" sz="1800" dirty="0" err="1">
-                <a:solidFill>
-                  <a:prstClr val="black"/>
-                </a:solidFill>
-                <a:latin typeface="Lucida Console" panose="020B0609040504020204" pitchFamily="49" charset="0"/>
-              </a:rPr>
-              <a:t>world</a:t>
-            </a:r>
-            <a:r>
-              <a:rPr lang="hu-HU" sz="1800" dirty="0">
-                <a:solidFill>
-                  <a:prstClr val="black"/>
-                </a:solidFill>
-                <a:latin typeface="Lucida Console" panose="020B0609040504020204" pitchFamily="49" charset="0"/>
-              </a:rPr>
-              <a:t> #check </a:t>
-            </a:r>
-            <a:r>
-              <a:rPr lang="hu-HU" sz="1800" dirty="0" err="1">
-                <a:solidFill>
-                  <a:prstClr val="black"/>
-                </a:solidFill>
-                <a:latin typeface="Lucida Console" panose="020B0609040504020204" pitchFamily="49" charset="0"/>
-              </a:rPr>
-              <a:t>if</a:t>
-            </a:r>
-            <a:r>
-              <a:rPr lang="hu-HU" sz="1800" dirty="0">
-                <a:solidFill>
-                  <a:prstClr val="black"/>
-                </a:solidFill>
-                <a:latin typeface="Lucida Console" panose="020B0609040504020204" pitchFamily="49" charset="0"/>
-              </a:rPr>
-              <a:t> </a:t>
-            </a:r>
-            <a:r>
-              <a:rPr lang="hu-HU" sz="1800" dirty="0" err="1">
-                <a:solidFill>
-                  <a:prstClr val="black"/>
-                </a:solidFill>
-                <a:latin typeface="Lucida Console" panose="020B0609040504020204" pitchFamily="49" charset="0"/>
-              </a:rPr>
-              <a:t>docker</a:t>
-            </a:r>
-            <a:r>
-              <a:rPr lang="hu-HU" sz="1800" dirty="0">
-                <a:solidFill>
-                  <a:prstClr val="black"/>
-                </a:solidFill>
-                <a:latin typeface="Lucida Console" panose="020B0609040504020204" pitchFamily="49" charset="0"/>
-              </a:rPr>
-              <a:t> is </a:t>
-            </a:r>
-            <a:r>
-              <a:rPr lang="hu-HU" sz="1800" dirty="0" err="1">
-                <a:solidFill>
-                  <a:prstClr val="black"/>
-                </a:solidFill>
-                <a:latin typeface="Lucida Console" panose="020B0609040504020204" pitchFamily="49" charset="0"/>
-              </a:rPr>
-              <a:t>installed</a:t>
-            </a:r>
-            <a:r>
-              <a:rPr lang="hu-HU" sz="1800" dirty="0">
-                <a:solidFill>
-                  <a:prstClr val="black"/>
-                </a:solidFill>
-                <a:latin typeface="Lucida Console" panose="020B0609040504020204" pitchFamily="49" charset="0"/>
-              </a:rPr>
-              <a:t> </a:t>
-            </a:r>
-            <a:r>
-              <a:rPr lang="hu-HU" sz="1800" dirty="0" err="1">
-                <a:solidFill>
-                  <a:prstClr val="black"/>
-                </a:solidFill>
-                <a:latin typeface="Lucida Console" panose="020B0609040504020204" pitchFamily="49" charset="0"/>
-              </a:rPr>
-              <a:t>correctly</a:t>
-            </a:r>
-            <a:endParaRPr lang="hu-HU" sz="1800" dirty="0">
-              <a:solidFill>
-                <a:prstClr val="black"/>
-              </a:solidFill>
-              <a:latin typeface="Lucida Console" panose="020B0609040504020204" pitchFamily="49" charset="0"/>
-            </a:endParaRPr>
-          </a:p>
-          <a:p>
-            <a:r>
-              <a:rPr lang="en-US" sz="1800" dirty="0">
-                <a:solidFill>
-                  <a:prstClr val="black"/>
-                </a:solidFill>
-                <a:latin typeface="Lucida Console" panose="020B0609040504020204" pitchFamily="49" charset="0"/>
-              </a:rPr>
-              <a:t>docker run -it ubuntu bash</a:t>
-            </a:r>
-            <a:r>
-              <a:rPr lang="hu-HU" sz="1800" dirty="0">
-                <a:solidFill>
-                  <a:prstClr val="black"/>
-                </a:solidFill>
-                <a:latin typeface="Lucida Console" panose="020B0609040504020204" pitchFamily="49" charset="0"/>
-              </a:rPr>
-              <a:t> #linux </a:t>
-            </a:r>
-            <a:r>
-              <a:rPr lang="hu-HU" sz="1800" dirty="0" err="1">
-                <a:solidFill>
-                  <a:prstClr val="black"/>
-                </a:solidFill>
-                <a:latin typeface="Lucida Console" panose="020B0609040504020204" pitchFamily="49" charset="0"/>
-              </a:rPr>
-              <a:t>environment</a:t>
-            </a:r>
-            <a:endParaRPr lang="hu-HU" dirty="0"/>
-          </a:p>
-          <a:p>
-            <a:r>
-              <a:rPr lang="hu-HU" dirty="0" err="1"/>
+              <a:t>docker run -it ubuntu bash #linux environment</a:t>
+            </a:r>
+            <a:endParaRPr lang="en-GB" noProof="0" dirty="0"/>
+          </a:p>
+          <a:p>
+            <a:r>
+              <a:rPr lang="en-GB" noProof="0" dirty="0" err="1"/>
               <a:t>winpty</a:t>
             </a:r>
             <a:r>
-              <a:rPr lang="hu-HU" dirty="0"/>
-              <a:t> </a:t>
-            </a:r>
-            <a:r>
-              <a:rPr lang="hu-HU" dirty="0" err="1"/>
-              <a:t>docker</a:t>
-            </a:r>
-            <a:r>
-              <a:rPr lang="hu-HU" dirty="0"/>
-              <a:t> </a:t>
-            </a:r>
-            <a:r>
-              <a:rPr lang="hu-HU" dirty="0" err="1"/>
-              <a:t>run</a:t>
-            </a:r>
-            <a:r>
-              <a:rPr lang="hu-HU" dirty="0"/>
-              <a:t> -</a:t>
-            </a:r>
-            <a:r>
-              <a:rPr lang="hu-HU" dirty="0" err="1"/>
-              <a:t>it</a:t>
-            </a:r>
-            <a:r>
-              <a:rPr lang="hu-HU" dirty="0"/>
-              <a:t> </a:t>
-            </a:r>
-            <a:r>
-              <a:rPr lang="hu-HU" dirty="0" err="1"/>
+              <a:rPr lang="en-GB" noProof="0" dirty="0"/>
+              <a:t> docker run -it </a:t>
+            </a:r>
+            <a:r>
+              <a:rPr lang="en-GB" noProof="0" dirty="0" err="1"/>
               <a:t>test:pandas</a:t>
             </a:r>
             <a:r>
-              <a:rPr lang="hu-HU" dirty="0"/>
-              <a:t> #run </a:t>
-            </a:r>
-            <a:r>
-              <a:rPr lang="hu-HU" dirty="0" err="1"/>
-              <a:t>docker</a:t>
-            </a:r>
-            <a:r>
-              <a:rPr lang="hu-HU"/>
-              <a:t> image</a:t>
-            </a:r>
-            <a:endParaRPr lang="hu-HU" dirty="0"/>
-          </a:p>
-          <a:p>
-            <a:endParaRPr lang="hu-HU" dirty="0"/>
-          </a:p>
-          <a:p>
-            <a:endParaRPr lang="hu-HU" dirty="0"/>
+              <a:rPr lang="en-GB" noProof="0" dirty="0"/>
+              <a:t> #run docker image</a:t>
+            </a:r>
+          </a:p>
+          <a:p>
+            <a:endParaRPr lang="en-GB" noProof="0" dirty="0"/>
+          </a:p>
+          <a:p>
+            <a:endParaRPr lang="en-GB" noProof="0" dirty="0"/>
           </a:p>
         </p:txBody>
       </p:sp>
